--- a/reparacion de compu/Instalacion de paquete de office.pptx
+++ b/reparacion de compu/Instalacion de paquete de office.pptx
@@ -8910,7 +8910,7 @@
           <a:p>
             <a:fld id="{23D31864-F3BC-498A-9715-F6FD7E24157B}" type="datetimeFigureOut">
               <a:rPr lang="es-EC" smtClean="0"/>
-              <a:t>5/7/2023</a:t>
+              <a:t>18/9/2023</a:t>
             </a:fld>
             <a:endParaRPr lang="es-EC"/>
           </a:p>
@@ -9117,7 +9117,7 @@
           <a:p>
             <a:fld id="{23D31864-F3BC-498A-9715-F6FD7E24157B}" type="datetimeFigureOut">
               <a:rPr lang="es-EC" smtClean="0"/>
-              <a:t>5/7/2023</a:t>
+              <a:t>18/9/2023</a:t>
             </a:fld>
             <a:endParaRPr lang="es-EC"/>
           </a:p>
@@ -9297,7 +9297,7 @@
           <a:p>
             <a:fld id="{23D31864-F3BC-498A-9715-F6FD7E24157B}" type="datetimeFigureOut">
               <a:rPr lang="es-EC" smtClean="0"/>
-              <a:t>5/7/2023</a:t>
+              <a:t>18/9/2023</a:t>
             </a:fld>
             <a:endParaRPr lang="es-EC"/>
           </a:p>
@@ -9502,7 +9502,7 @@
           <a:p>
             <a:fld id="{23D31864-F3BC-498A-9715-F6FD7E24157B}" type="datetimeFigureOut">
               <a:rPr lang="es-EC" smtClean="0"/>
-              <a:t>5/7/2023</a:t>
+              <a:t>18/9/2023</a:t>
             </a:fld>
             <a:endParaRPr lang="es-EC"/>
           </a:p>
@@ -18400,7 +18400,7 @@
           <a:p>
             <a:fld id="{23D31864-F3BC-498A-9715-F6FD7E24157B}" type="datetimeFigureOut">
               <a:rPr lang="es-EC" smtClean="0"/>
-              <a:t>5/7/2023</a:t>
+              <a:t>18/9/2023</a:t>
             </a:fld>
             <a:endParaRPr lang="es-EC"/>
           </a:p>
@@ -18674,7 +18674,7 @@
           <a:p>
             <a:fld id="{23D31864-F3BC-498A-9715-F6FD7E24157B}" type="datetimeFigureOut">
               <a:rPr lang="es-EC" smtClean="0"/>
-              <a:t>5/7/2023</a:t>
+              <a:t>18/9/2023</a:t>
             </a:fld>
             <a:endParaRPr lang="es-EC"/>
           </a:p>
@@ -19072,7 +19072,7 @@
           <a:p>
             <a:fld id="{23D31864-F3BC-498A-9715-F6FD7E24157B}" type="datetimeFigureOut">
               <a:rPr lang="es-EC" smtClean="0"/>
-              <a:t>5/7/2023</a:t>
+              <a:t>18/9/2023</a:t>
             </a:fld>
             <a:endParaRPr lang="es-EC"/>
           </a:p>
@@ -19190,7 +19190,7 @@
           <a:p>
             <a:fld id="{23D31864-F3BC-498A-9715-F6FD7E24157B}" type="datetimeFigureOut">
               <a:rPr lang="es-EC" smtClean="0"/>
-              <a:t>5/7/2023</a:t>
+              <a:t>18/9/2023</a:t>
             </a:fld>
             <a:endParaRPr lang="es-EC"/>
           </a:p>
@@ -19285,7 +19285,7 @@
           <a:p>
             <a:fld id="{23D31864-F3BC-498A-9715-F6FD7E24157B}" type="datetimeFigureOut">
               <a:rPr lang="es-EC" smtClean="0"/>
-              <a:t>5/7/2023</a:t>
+              <a:t>18/9/2023</a:t>
             </a:fld>
             <a:endParaRPr lang="es-EC"/>
           </a:p>
@@ -19575,7 +19575,7 @@
           <a:p>
             <a:fld id="{23D31864-F3BC-498A-9715-F6FD7E24157B}" type="datetimeFigureOut">
               <a:rPr lang="es-EC" smtClean="0"/>
-              <a:t>5/7/2023</a:t>
+              <a:t>18/9/2023</a:t>
             </a:fld>
             <a:endParaRPr lang="es-EC"/>
           </a:p>
@@ -19855,7 +19855,7 @@
           <a:p>
             <a:fld id="{23D31864-F3BC-498A-9715-F6FD7E24157B}" type="datetimeFigureOut">
               <a:rPr lang="es-EC" smtClean="0"/>
-              <a:t>5/7/2023</a:t>
+              <a:t>18/9/2023</a:t>
             </a:fld>
             <a:endParaRPr lang="es-EC"/>
           </a:p>
@@ -20105,7 +20105,7 @@
           <a:p>
             <a:fld id="{23D31864-F3BC-498A-9715-F6FD7E24157B}" type="datetimeFigureOut">
               <a:rPr lang="es-EC" smtClean="0"/>
-              <a:t>5/7/2023</a:t>
+              <a:t>18/9/2023</a:t>
             </a:fld>
             <a:endParaRPr lang="es-EC"/>
           </a:p>
